--- a/Seminarios/Seminario_DQL/TP558_DQL_Completo.pptx
+++ b/Seminarios/Seminario_DQL/TP558_DQL_Completo.pptx
@@ -5,10 +5,10 @@
     <p:sldMasterId id="2147483648" r:id="rId1"/>
   </p:sldMasterIdLst>
   <p:notesMasterIdLst>
-    <p:notesMasterId r:id="rId15"/>
+    <p:notesMasterId r:id="rId16"/>
   </p:notesMasterIdLst>
   <p:handoutMasterIdLst>
-    <p:handoutMasterId r:id="rId16"/>
+    <p:handoutMasterId r:id="rId17"/>
   </p:handoutMasterIdLst>
   <p:sldIdLst>
     <p:sldId id="256" r:id="rId2"/>
@@ -24,6 +24,7 @@
     <p:sldId id="293" r:id="rId12"/>
     <p:sldId id="314" r:id="rId13"/>
     <p:sldId id="306" r:id="rId14"/>
+    <p:sldId id="317" r:id="rId15"/>
   </p:sldIdLst>
   <p:sldSz cx="12192000" cy="6858000"/>
   <p:notesSz cx="7315200" cy="9601200"/>
@@ -133,9 +134,10 @@
 <file path=ppt/revisionInfo.xml><?xml version="1.0" encoding="utf-8"?>
 <p1510:revInfo xmlns:a="http://schemas.openxmlformats.org/drawingml/2006/main" xmlns:r="http://schemas.openxmlformats.org/officeDocument/2006/relationships" xmlns:p1510="http://schemas.microsoft.com/office/powerpoint/2015/10/main">
   <p1510:revLst>
+    <p1510:client id="{075D8243-4CAF-41C2-E364-67BCA1EB1995}" v="61" dt="2025-08-27T13:48:43.708"/>
     <p1510:client id="{7292A24D-1A13-D440-1254-DA69DB597845}" v="128" dt="2025-08-25T19:29:24.153"/>
     <p1510:client id="{8AE41BB7-CF81-9E02-9EEF-18D219AF8DD2}" v="112" dt="2025-08-26T00:02:52.431"/>
-    <p1510:client id="{C52E9CBD-7BEF-EB63-8E94-8FCFDB8B5E6E}" v="33" dt="2025-08-27T11:54:17.766"/>
+    <p1510:client id="{C52E9CBD-7BEF-EB63-8E94-8FCFDB8B5E6E}" v="34" dt="2025-08-27T12:34:29.344"/>
     <p1510:client id="{F3B75EFB-791A-675C-685F-FA5E95AE6C51}" v="236" dt="2025-08-26T00:54:52.268"/>
   </p1510:revLst>
 </p1510:revInfo>
@@ -5011,6 +5013,94 @@
     <p:extLst>
       <p:ext uri="{BB962C8B-B14F-4D97-AF65-F5344CB8AC3E}">
         <p14:creationId xmlns:p14="http://schemas.microsoft.com/office/powerpoint/2010/main" val="2655704619"/>
+      </p:ext>
+    </p:extLst>
+  </p:cSld>
+  <p:clrMapOvr>
+    <a:masterClrMapping/>
+  </p:clrMapOvr>
+</p:sld>
+</file>
+
+<file path=ppt/slides/slide14.xml><?xml version="1.0" encoding="utf-8"?>
+<p:sld xmlns:a="http://schemas.openxmlformats.org/drawingml/2006/main" xmlns:r="http://schemas.openxmlformats.org/officeDocument/2006/relationships" xmlns:p="http://schemas.openxmlformats.org/presentationml/2006/main">
+  <p:cSld>
+    <p:spTree>
+      <p:nvGrpSpPr>
+        <p:cNvPr id="1" name="">
+          <a:extLst>
+            <a:ext uri="{FF2B5EF4-FFF2-40B4-BE49-F238E27FC236}">
+              <a16:creationId xmlns:a16="http://schemas.microsoft.com/office/drawing/2014/main" id="{69F45C3E-05E0-69E6-B67D-CC2A381E442F}"/>
+            </a:ext>
+          </a:extLst>
+        </p:cNvPr>
+        <p:cNvGrpSpPr/>
+        <p:nvPr/>
+      </p:nvGrpSpPr>
+      <p:grpSpPr>
+        <a:xfrm>
+          <a:off x="0" y="0"/>
+          <a:ext cx="0" cy="0"/>
+          <a:chOff x="0" y="0"/>
+          <a:chExt cx="0" cy="0"/>
+        </a:xfrm>
+      </p:grpSpPr>
+      <p:sp>
+        <p:nvSpPr>
+          <p:cNvPr id="5" name="TextBox 4">
+            <a:extLst>
+              <a:ext uri="{FF2B5EF4-FFF2-40B4-BE49-F238E27FC236}">
+                <a16:creationId xmlns:a16="http://schemas.microsoft.com/office/drawing/2014/main" id="{1085553A-9B93-EAEC-85D2-419792AA550E}"/>
+              </a:ext>
+            </a:extLst>
+          </p:cNvPr>
+          <p:cNvSpPr txBox="1"/>
+          <p:nvPr/>
+        </p:nvSpPr>
+        <p:spPr>
+          <a:xfrm>
+            <a:off x="3287790" y="2925055"/>
+            <a:ext cx="5624471" cy="1015663"/>
+          </a:xfrm>
+          <a:prstGeom prst="rect">
+            <a:avLst/>
+          </a:prstGeom>
+          <a:noFill/>
+        </p:spPr>
+        <p:txBody>
+          <a:bodyPr rot="0" spcFirstLastPara="0" vertOverflow="overflow" horzOverflow="overflow" vert="horz" wrap="square" lIns="91440" tIns="45720" rIns="91440" bIns="45720" numCol="1" spcCol="0" rtlCol="0" fromWordArt="0" anchor="t" anchorCtr="0" forceAA="0" compatLnSpc="1">
+            <a:prstTxWarp prst="textNoShape">
+              <a:avLst/>
+            </a:prstTxWarp>
+            <a:spAutoFit/>
+          </a:bodyPr>
+          <a:lstStyle/>
+          <a:p>
+            <a:r>
+              <a:rPr lang="en-US" sz="6000" dirty="0">
+                <a:ea typeface="+mn-lt"/>
+                <a:cs typeface="+mn-lt"/>
+                <a:hlinkClick r:id="rId2">
+                  <a:extLst>
+                    <a:ext uri="{A12FA001-AC4F-418D-AE19-62706E023703}">
+                      <ahyp:hlinkClr xmlns:ahyp="http://schemas.microsoft.com/office/drawing/2018/hyperlinkcolor" val="tx"/>
+                    </a:ext>
+                  </a:extLst>
+                </a:hlinkClick>
+              </a:rPr>
+              <a:t>Link para o Quiz</a:t>
+            </a:r>
+            <a:endParaRPr lang="en-US" sz="6000">
+              <a:ea typeface="Calibri"/>
+              <a:cs typeface="Calibri"/>
+            </a:endParaRPr>
+          </a:p>
+        </p:txBody>
+      </p:sp>
+    </p:spTree>
+    <p:extLst>
+      <p:ext uri="{BB962C8B-B14F-4D97-AF65-F5344CB8AC3E}">
+        <p14:creationId xmlns:p14="http://schemas.microsoft.com/office/powerpoint/2010/main" val="136849429"/>
       </p:ext>
     </p:extLst>
   </p:cSld>
